--- a/app/presentation.pptx
+++ b/app/presentation.pptx
@@ -13,8 +13,6 @@
     <p:sldId id="261" r:id="rId12"/>
     <p:sldId id="262" r:id="rId13"/>
     <p:sldId id="263" r:id="rId14"/>
-    <p:sldId id="264" r:id="rId15"/>
-    <p:sldId id="265" r:id="rId16"/>
   </p:sldIdLst>
   <p:sldSz cx="18288000" cy="10287000" type="screen4x3"/>
   <p:notesSz cx="6858000" cy="9144000"/>
@@ -3099,7 +3097,7 @@
       <p:grpSpPr/>
       <p:pic>
         <p:nvPicPr>
-          <p:cNvPr id="2" name="Picture 1" descr="image.jpg"/>
+          <p:cNvPr id="2" name="Picture 1" descr="image.png"/>
           <p:cNvPicPr>
             <a:picLocks noChangeAspect="1"/>
           </p:cNvPicPr>
@@ -3113,371 +3111,14 @@
         </p:blipFill>
         <p:spPr>
           <a:xfrm>
-            <a:off x="3180522" y="0"/>
-            <a:ext cx="11926956" cy="10287000"/>
+            <a:off x="0" y="5443"/>
+            <a:ext cx="18288000" cy="10276114"/>
           </a:xfrm>
           <a:prstGeom prst="rect">
             <a:avLst/>
           </a:prstGeom>
         </p:spPr>
       </p:pic>
-    </p:spTree>
-  </p:cSld>
-  <p:clrMapOvr>
-    <a:masterClrMapping/>
-  </p:clrMapOvr>
-</p:sld>
-</file>
-
-<file path=ppt/slides/slide10.xml><?xml version="1.0" encoding="utf-8"?>
-<p:sld xmlns:a="http://schemas.openxmlformats.org/drawingml/2006/main" xmlns:p="http://schemas.openxmlformats.org/presentationml/2006/main" xmlns:r="http://schemas.openxmlformats.org/officeDocument/2006/relationships">
-  <p:cSld>
-    <p:spTree>
-      <p:nvGrpSpPr>
-        <p:cNvPr id="1" name=""/>
-        <p:cNvGrpSpPr/>
-        <p:nvPr/>
-      </p:nvGrpSpPr>
-      <p:grpSpPr/>
-      <p:pic>
-        <p:nvPicPr>
-          <p:cNvPr id="2" name="Picture 1" descr="image.jpg"/>
-          <p:cNvPicPr>
-            <a:picLocks noChangeAspect="1"/>
-          </p:cNvPicPr>
-          <p:nvPr/>
-        </p:nvPicPr>
-        <p:blipFill>
-          <a:blip r:embed="rId2"/>
-          <a:stretch>
-            <a:fillRect/>
-          </a:stretch>
-        </p:blipFill>
-        <p:spPr>
-          <a:xfrm>
-            <a:off x="3180522" y="0"/>
-            <a:ext cx="11926956" cy="10287000"/>
-          </a:xfrm>
-          <a:prstGeom prst="rect">
-            <a:avLst/>
-          </a:prstGeom>
-        </p:spPr>
-      </p:pic>
-      <p:sp>
-        <p:nvSpPr>
-          <p:cNvPr id="3" name="TextBox 2"/>
-          <p:cNvSpPr txBox="1"/>
-          <p:nvPr/>
-        </p:nvSpPr>
-        <p:spPr>
-          <a:xfrm>
-            <a:off x="-19050" y="4575810"/>
-            <a:ext cx="18288000" cy="1097280"/>
-          </a:xfrm>
-          <a:prstGeom prst="rect">
-            <a:avLst/>
-          </a:prstGeom>
-          <a:noFill/>
-        </p:spPr>
-        <p:txBody>
-          <a:bodyPr wrap="none">
-            <a:spAutoFit/>
-          </a:bodyPr>
-          <a:lstStyle/>
-          <a:p>
-            <a:pPr algn="ctr">
-              <a:defRPr sz="6000">
-                <a:solidFill>
-                  <a:srgbClr val="000000"/>
-                </a:solidFill>
-              </a:defRPr>
-            </a:pPr>
-            <a:r>
-              <a:t>erger</a:t>
-            </a:r>
-          </a:p>
-        </p:txBody>
-      </p:sp>
-      <p:sp>
-        <p:nvSpPr>
-          <p:cNvPr id="4" name="TextBox 3"/>
-          <p:cNvSpPr txBox="1"/>
-          <p:nvPr/>
-        </p:nvSpPr>
-        <p:spPr>
-          <a:xfrm>
-            <a:off x="-19050" y="4594860"/>
-            <a:ext cx="18288000" cy="1097280"/>
-          </a:xfrm>
-          <a:prstGeom prst="rect">
-            <a:avLst/>
-          </a:prstGeom>
-          <a:noFill/>
-        </p:spPr>
-        <p:txBody>
-          <a:bodyPr wrap="none">
-            <a:spAutoFit/>
-          </a:bodyPr>
-          <a:lstStyle/>
-          <a:p>
-            <a:pPr algn="ctr">
-              <a:defRPr sz="6000">
-                <a:solidFill>
-                  <a:srgbClr val="000000"/>
-                </a:solidFill>
-              </a:defRPr>
-            </a:pPr>
-            <a:r>
-              <a:t>erger</a:t>
-            </a:r>
-          </a:p>
-        </p:txBody>
-      </p:sp>
-      <p:sp>
-        <p:nvSpPr>
-          <p:cNvPr id="5" name="TextBox 4"/>
-          <p:cNvSpPr txBox="1"/>
-          <p:nvPr/>
-        </p:nvSpPr>
-        <p:spPr>
-          <a:xfrm>
-            <a:off x="-19050" y="4613910"/>
-            <a:ext cx="18288000" cy="1097280"/>
-          </a:xfrm>
-          <a:prstGeom prst="rect">
-            <a:avLst/>
-          </a:prstGeom>
-          <a:noFill/>
-        </p:spPr>
-        <p:txBody>
-          <a:bodyPr wrap="none">
-            <a:spAutoFit/>
-          </a:bodyPr>
-          <a:lstStyle/>
-          <a:p>
-            <a:pPr algn="ctr">
-              <a:defRPr sz="6000">
-                <a:solidFill>
-                  <a:srgbClr val="000000"/>
-                </a:solidFill>
-              </a:defRPr>
-            </a:pPr>
-            <a:r>
-              <a:t>erger</a:t>
-            </a:r>
-          </a:p>
-        </p:txBody>
-      </p:sp>
-      <p:sp>
-        <p:nvSpPr>
-          <p:cNvPr id="6" name="TextBox 5"/>
-          <p:cNvSpPr txBox="1"/>
-          <p:nvPr/>
-        </p:nvSpPr>
-        <p:spPr>
-          <a:xfrm>
-            <a:off x="0" y="4575810"/>
-            <a:ext cx="18288000" cy="1097280"/>
-          </a:xfrm>
-          <a:prstGeom prst="rect">
-            <a:avLst/>
-          </a:prstGeom>
-          <a:noFill/>
-        </p:spPr>
-        <p:txBody>
-          <a:bodyPr wrap="none">
-            <a:spAutoFit/>
-          </a:bodyPr>
-          <a:lstStyle/>
-          <a:p>
-            <a:pPr algn="ctr">
-              <a:defRPr sz="6000">
-                <a:solidFill>
-                  <a:srgbClr val="000000"/>
-                </a:solidFill>
-              </a:defRPr>
-            </a:pPr>
-            <a:r>
-              <a:t>erger</a:t>
-            </a:r>
-          </a:p>
-        </p:txBody>
-      </p:sp>
-      <p:sp>
-        <p:nvSpPr>
-          <p:cNvPr id="7" name="TextBox 6"/>
-          <p:cNvSpPr txBox="1"/>
-          <p:nvPr/>
-        </p:nvSpPr>
-        <p:spPr>
-          <a:xfrm>
-            <a:off x="0" y="4613910"/>
-            <a:ext cx="18288000" cy="1097280"/>
-          </a:xfrm>
-          <a:prstGeom prst="rect">
-            <a:avLst/>
-          </a:prstGeom>
-          <a:noFill/>
-        </p:spPr>
-        <p:txBody>
-          <a:bodyPr wrap="none">
-            <a:spAutoFit/>
-          </a:bodyPr>
-          <a:lstStyle/>
-          <a:p>
-            <a:pPr algn="ctr">
-              <a:defRPr sz="6000">
-                <a:solidFill>
-                  <a:srgbClr val="000000"/>
-                </a:solidFill>
-              </a:defRPr>
-            </a:pPr>
-            <a:r>
-              <a:t>erger</a:t>
-            </a:r>
-          </a:p>
-        </p:txBody>
-      </p:sp>
-      <p:sp>
-        <p:nvSpPr>
-          <p:cNvPr id="8" name="TextBox 7"/>
-          <p:cNvSpPr txBox="1"/>
-          <p:nvPr/>
-        </p:nvSpPr>
-        <p:spPr>
-          <a:xfrm>
-            <a:off x="19050" y="4575810"/>
-            <a:ext cx="18288000" cy="1097280"/>
-          </a:xfrm>
-          <a:prstGeom prst="rect">
-            <a:avLst/>
-          </a:prstGeom>
-          <a:noFill/>
-        </p:spPr>
-        <p:txBody>
-          <a:bodyPr wrap="none">
-            <a:spAutoFit/>
-          </a:bodyPr>
-          <a:lstStyle/>
-          <a:p>
-            <a:pPr algn="ctr">
-              <a:defRPr sz="6000">
-                <a:solidFill>
-                  <a:srgbClr val="000000"/>
-                </a:solidFill>
-              </a:defRPr>
-            </a:pPr>
-            <a:r>
-              <a:t>erger</a:t>
-            </a:r>
-          </a:p>
-        </p:txBody>
-      </p:sp>
-      <p:sp>
-        <p:nvSpPr>
-          <p:cNvPr id="9" name="TextBox 8"/>
-          <p:cNvSpPr txBox="1"/>
-          <p:nvPr/>
-        </p:nvSpPr>
-        <p:spPr>
-          <a:xfrm>
-            <a:off x="19050" y="4594860"/>
-            <a:ext cx="18288000" cy="1097280"/>
-          </a:xfrm>
-          <a:prstGeom prst="rect">
-            <a:avLst/>
-          </a:prstGeom>
-          <a:noFill/>
-        </p:spPr>
-        <p:txBody>
-          <a:bodyPr wrap="none">
-            <a:spAutoFit/>
-          </a:bodyPr>
-          <a:lstStyle/>
-          <a:p>
-            <a:pPr algn="ctr">
-              <a:defRPr sz="6000">
-                <a:solidFill>
-                  <a:srgbClr val="000000"/>
-                </a:solidFill>
-              </a:defRPr>
-            </a:pPr>
-            <a:r>
-              <a:t>erger</a:t>
-            </a:r>
-          </a:p>
-        </p:txBody>
-      </p:sp>
-      <p:sp>
-        <p:nvSpPr>
-          <p:cNvPr id="10" name="TextBox 9"/>
-          <p:cNvSpPr txBox="1"/>
-          <p:nvPr/>
-        </p:nvSpPr>
-        <p:spPr>
-          <a:xfrm>
-            <a:off x="19050" y="4613910"/>
-            <a:ext cx="18288000" cy="1097280"/>
-          </a:xfrm>
-          <a:prstGeom prst="rect">
-            <a:avLst/>
-          </a:prstGeom>
-          <a:noFill/>
-        </p:spPr>
-        <p:txBody>
-          <a:bodyPr wrap="none">
-            <a:spAutoFit/>
-          </a:bodyPr>
-          <a:lstStyle/>
-          <a:p>
-            <a:pPr algn="ctr">
-              <a:defRPr sz="6000">
-                <a:solidFill>
-                  <a:srgbClr val="000000"/>
-                </a:solidFill>
-              </a:defRPr>
-            </a:pPr>
-            <a:r>
-              <a:t>erger</a:t>
-            </a:r>
-          </a:p>
-        </p:txBody>
-      </p:sp>
-      <p:sp>
-        <p:nvSpPr>
-          <p:cNvPr id="11" name="TextBox 10"/>
-          <p:cNvSpPr txBox="1"/>
-          <p:nvPr/>
-        </p:nvSpPr>
-        <p:spPr>
-          <a:xfrm>
-            <a:off x="0" y="4594860"/>
-            <a:ext cx="18288000" cy="1097280"/>
-          </a:xfrm>
-          <a:prstGeom prst="rect">
-            <a:avLst/>
-          </a:prstGeom>
-          <a:noFill/>
-        </p:spPr>
-        <p:txBody>
-          <a:bodyPr wrap="none">
-            <a:spAutoFit/>
-          </a:bodyPr>
-          <a:lstStyle/>
-          <a:p>
-            <a:pPr algn="ctr">
-              <a:defRPr sz="6000">
-                <a:solidFill>
-                  <a:srgbClr val="FFFFFF"/>
-                </a:solidFill>
-              </a:defRPr>
-            </a:pPr>
-            <a:r>
-              <a:t>erger</a:t>
-            </a:r>
-          </a:p>
-        </p:txBody>
-      </p:sp>
     </p:spTree>
   </p:cSld>
   <p:clrMapOvr>
@@ -3498,7 +3139,7 @@
       <p:grpSpPr/>
       <p:pic>
         <p:nvPicPr>
-          <p:cNvPr id="2" name="Picture 1" descr="image.jpg"/>
+          <p:cNvPr id="2" name="Picture 1" descr="image.png"/>
           <p:cNvPicPr>
             <a:picLocks noChangeAspect="1"/>
           </p:cNvPicPr>
@@ -3512,8 +3153,8 @@
         </p:blipFill>
         <p:spPr>
           <a:xfrm>
-            <a:off x="3180522" y="0"/>
-            <a:ext cx="11926956" cy="10287000"/>
+            <a:off x="0" y="5443"/>
+            <a:ext cx="18288000" cy="10276114"/>
           </a:xfrm>
           <a:prstGeom prst="rect">
             <a:avLst/>
@@ -3550,7 +3191,7 @@
               </a:defRPr>
             </a:pPr>
             <a:r>
-              <a:t>srgewg</a:t>
+              <a:t>dfgerf</a:t>
             </a:r>
           </a:p>
         </p:txBody>
@@ -3585,7 +3226,7 @@
               </a:defRPr>
             </a:pPr>
             <a:r>
-              <a:t>srgewg</a:t>
+              <a:t>dfgerf</a:t>
             </a:r>
           </a:p>
         </p:txBody>
@@ -3620,7 +3261,7 @@
               </a:defRPr>
             </a:pPr>
             <a:r>
-              <a:t>srgewg</a:t>
+              <a:t>dfgerf</a:t>
             </a:r>
           </a:p>
         </p:txBody>
@@ -3655,7 +3296,7 @@
               </a:defRPr>
             </a:pPr>
             <a:r>
-              <a:t>srgewg</a:t>
+              <a:t>dfgerf</a:t>
             </a:r>
           </a:p>
         </p:txBody>
@@ -3690,7 +3331,7 @@
               </a:defRPr>
             </a:pPr>
             <a:r>
-              <a:t>srgewg</a:t>
+              <a:t>dfgerf</a:t>
             </a:r>
           </a:p>
         </p:txBody>
@@ -3725,7 +3366,7 @@
               </a:defRPr>
             </a:pPr>
             <a:r>
-              <a:t>srgewg</a:t>
+              <a:t>dfgerf</a:t>
             </a:r>
           </a:p>
         </p:txBody>
@@ -3760,7 +3401,7 @@
               </a:defRPr>
             </a:pPr>
             <a:r>
-              <a:t>srgewg</a:t>
+              <a:t>dfgerf</a:t>
             </a:r>
           </a:p>
         </p:txBody>
@@ -3795,7 +3436,7 @@
               </a:defRPr>
             </a:pPr>
             <a:r>
-              <a:t>srgewg</a:t>
+              <a:t>dfgerf</a:t>
             </a:r>
           </a:p>
         </p:txBody>
@@ -3830,7 +3471,7 @@
               </a:defRPr>
             </a:pPr>
             <a:r>
-              <a:t>srgewg</a:t>
+              <a:t>dfgerf</a:t>
             </a:r>
           </a:p>
         </p:txBody>
@@ -3855,7 +3496,7 @@
       <p:grpSpPr/>
       <p:pic>
         <p:nvPicPr>
-          <p:cNvPr id="2" name="Picture 1" descr="image.jpg"/>
+          <p:cNvPr id="2" name="Picture 1" descr="image.png"/>
           <p:cNvPicPr>
             <a:picLocks noChangeAspect="1"/>
           </p:cNvPicPr>
@@ -3869,8 +3510,8 @@
         </p:blipFill>
         <p:spPr>
           <a:xfrm>
-            <a:off x="5034791" y="0"/>
-            <a:ext cx="8218418" cy="10287000"/>
+            <a:off x="0" y="5443"/>
+            <a:ext cx="18288000" cy="10276114"/>
           </a:xfrm>
           <a:prstGeom prst="rect">
             <a:avLst/>
@@ -3897,7 +3538,7 @@
       <p:grpSpPr/>
       <p:pic>
         <p:nvPicPr>
-          <p:cNvPr id="2" name="Picture 1" descr="image.jpg"/>
+          <p:cNvPr id="2" name="Picture 1" descr="image.png"/>
           <p:cNvPicPr>
             <a:picLocks noChangeAspect="1"/>
           </p:cNvPicPr>
@@ -3911,8 +3552,8 @@
         </p:blipFill>
         <p:spPr>
           <a:xfrm>
-            <a:off x="5034791" y="0"/>
-            <a:ext cx="8218418" cy="10287000"/>
+            <a:off x="0" y="5443"/>
+            <a:ext cx="18288000" cy="10276114"/>
           </a:xfrm>
           <a:prstGeom prst="rect">
             <a:avLst/>
@@ -3949,7 +3590,7 @@
               </a:defRPr>
             </a:pPr>
             <a:r>
-              <a:t>wgwegweg</a:t>
+              <a:t>wefwef</a:t>
             </a:r>
           </a:p>
         </p:txBody>
@@ -3984,7 +3625,7 @@
               </a:defRPr>
             </a:pPr>
             <a:r>
-              <a:t>wgwegweg</a:t>
+              <a:t>wefwef</a:t>
             </a:r>
           </a:p>
         </p:txBody>
@@ -4019,7 +3660,7 @@
               </a:defRPr>
             </a:pPr>
             <a:r>
-              <a:t>wgwegweg</a:t>
+              <a:t>wefwef</a:t>
             </a:r>
           </a:p>
         </p:txBody>
@@ -4054,7 +3695,7 @@
               </a:defRPr>
             </a:pPr>
             <a:r>
-              <a:t>wgwegweg</a:t>
+              <a:t>wefwef</a:t>
             </a:r>
           </a:p>
         </p:txBody>
@@ -4089,7 +3730,7 @@
               </a:defRPr>
             </a:pPr>
             <a:r>
-              <a:t>wgwegweg</a:t>
+              <a:t>wefwef</a:t>
             </a:r>
           </a:p>
         </p:txBody>
@@ -4124,7 +3765,7 @@
               </a:defRPr>
             </a:pPr>
             <a:r>
-              <a:t>wgwegweg</a:t>
+              <a:t>wefwef</a:t>
             </a:r>
           </a:p>
         </p:txBody>
@@ -4159,7 +3800,7 @@
               </a:defRPr>
             </a:pPr>
             <a:r>
-              <a:t>wgwegweg</a:t>
+              <a:t>wefwef</a:t>
             </a:r>
           </a:p>
         </p:txBody>
@@ -4194,7 +3835,7 @@
               </a:defRPr>
             </a:pPr>
             <a:r>
-              <a:t>wgwegweg</a:t>
+              <a:t>wefwef</a:t>
             </a:r>
           </a:p>
         </p:txBody>
@@ -4229,7 +3870,7 @@
               </a:defRPr>
             </a:pPr>
             <a:r>
-              <a:t>wgwegweg</a:t>
+              <a:t>wefwef</a:t>
             </a:r>
           </a:p>
         </p:txBody>
@@ -4254,7 +3895,7 @@
       <p:grpSpPr/>
       <p:pic>
         <p:nvPicPr>
-          <p:cNvPr id="2" name="Picture 1" descr="image.jpg"/>
+          <p:cNvPr id="2" name="Picture 1" descr="image.png"/>
           <p:cNvPicPr>
             <a:picLocks noChangeAspect="1"/>
           </p:cNvPicPr>
@@ -4268,8 +3909,8 @@
         </p:blipFill>
         <p:spPr>
           <a:xfrm>
-            <a:off x="3180522" y="0"/>
-            <a:ext cx="11926956" cy="10287000"/>
+            <a:off x="5048488" y="0"/>
+            <a:ext cx="8191023" cy="10287000"/>
           </a:xfrm>
           <a:prstGeom prst="rect">
             <a:avLst/>
@@ -4296,7 +3937,7 @@
       <p:grpSpPr/>
       <p:pic>
         <p:nvPicPr>
-          <p:cNvPr id="2" name="Picture 1" descr="image.jpg"/>
+          <p:cNvPr id="2" name="Picture 1" descr="image.png"/>
           <p:cNvPicPr>
             <a:picLocks noChangeAspect="1"/>
           </p:cNvPicPr>
@@ -4310,8 +3951,8 @@
         </p:blipFill>
         <p:spPr>
           <a:xfrm>
-            <a:off x="3180522" y="0"/>
-            <a:ext cx="11926956" cy="10287000"/>
+            <a:off x="5048488" y="0"/>
+            <a:ext cx="8191023" cy="10287000"/>
           </a:xfrm>
           <a:prstGeom prst="rect">
             <a:avLst/>
@@ -4653,7 +4294,7 @@
       <p:grpSpPr/>
       <p:pic>
         <p:nvPicPr>
-          <p:cNvPr id="2" name="Picture 1" descr="image.jpg"/>
+          <p:cNvPr id="2" name="Picture 1" descr="image.png"/>
           <p:cNvPicPr>
             <a:picLocks noChangeAspect="1"/>
           </p:cNvPicPr>
@@ -4667,8 +4308,8 @@
         </p:blipFill>
         <p:spPr>
           <a:xfrm>
-            <a:off x="5799221" y="0"/>
-            <a:ext cx="6689557" cy="10287000"/>
+            <a:off x="0" y="0"/>
+            <a:ext cx="18288000" cy="10287000"/>
           </a:xfrm>
           <a:prstGeom prst="rect">
             <a:avLst/>
@@ -4695,7 +4336,7 @@
       <p:grpSpPr/>
       <p:pic>
         <p:nvPicPr>
-          <p:cNvPr id="2" name="Picture 1" descr="image.jpg"/>
+          <p:cNvPr id="2" name="Picture 1" descr="image.png"/>
           <p:cNvPicPr>
             <a:picLocks noChangeAspect="1"/>
           </p:cNvPicPr>
@@ -4709,8 +4350,8 @@
         </p:blipFill>
         <p:spPr>
           <a:xfrm>
-            <a:off x="5799221" y="0"/>
-            <a:ext cx="6689557" cy="10287000"/>
+            <a:off x="0" y="0"/>
+            <a:ext cx="18288000" cy="10287000"/>
           </a:xfrm>
           <a:prstGeom prst="rect">
             <a:avLst/>
@@ -5032,48 +4673,6 @@
           </a:p>
         </p:txBody>
       </p:sp>
-    </p:spTree>
-  </p:cSld>
-  <p:clrMapOvr>
-    <a:masterClrMapping/>
-  </p:clrMapOvr>
-</p:sld>
-</file>
-
-<file path=ppt/slides/slide9.xml><?xml version="1.0" encoding="utf-8"?>
-<p:sld xmlns:a="http://schemas.openxmlformats.org/drawingml/2006/main" xmlns:p="http://schemas.openxmlformats.org/presentationml/2006/main" xmlns:r="http://schemas.openxmlformats.org/officeDocument/2006/relationships">
-  <p:cSld>
-    <p:spTree>
-      <p:nvGrpSpPr>
-        <p:cNvPr id="1" name=""/>
-        <p:cNvGrpSpPr/>
-        <p:nvPr/>
-      </p:nvGrpSpPr>
-      <p:grpSpPr/>
-      <p:pic>
-        <p:nvPicPr>
-          <p:cNvPr id="2" name="Picture 1" descr="image.jpg"/>
-          <p:cNvPicPr>
-            <a:picLocks noChangeAspect="1"/>
-          </p:cNvPicPr>
-          <p:nvPr/>
-        </p:nvPicPr>
-        <p:blipFill>
-          <a:blip r:embed="rId2"/>
-          <a:stretch>
-            <a:fillRect/>
-          </a:stretch>
-        </p:blipFill>
-        <p:spPr>
-          <a:xfrm>
-            <a:off x="3180522" y="0"/>
-            <a:ext cx="11926956" cy="10287000"/>
-          </a:xfrm>
-          <a:prstGeom prst="rect">
-            <a:avLst/>
-          </a:prstGeom>
-        </p:spPr>
-      </p:pic>
     </p:spTree>
   </p:cSld>
   <p:clrMapOvr>
